--- a/PPT/DICOM RT and ECG.pptx
+++ b/PPT/DICOM RT and ECG.pptx
@@ -5,16 +5,24 @@
     <p:sldMasterId id="2147483686" r:id="rId1"/>
   </p:sldMasterIdLst>
   <p:notesMasterIdLst>
-    <p:notesMasterId r:id="rId9"/>
+    <p:notesMasterId r:id="rId17"/>
   </p:notesMasterIdLst>
   <p:sldIdLst>
-    <p:sldId id="258" r:id="rId2"/>
-    <p:sldId id="256" r:id="rId3"/>
-    <p:sldId id="257" r:id="rId4"/>
-    <p:sldId id="259" r:id="rId5"/>
-    <p:sldId id="260" r:id="rId6"/>
-    <p:sldId id="261" r:id="rId7"/>
-    <p:sldId id="262" r:id="rId8"/>
+    <p:sldId id="268" r:id="rId2"/>
+    <p:sldId id="267" r:id="rId3"/>
+    <p:sldId id="266" r:id="rId4"/>
+    <p:sldId id="265" r:id="rId5"/>
+    <p:sldId id="264" r:id="rId6"/>
+    <p:sldId id="263" r:id="rId7"/>
+    <p:sldId id="269" r:id="rId8"/>
+    <p:sldId id="270" r:id="rId9"/>
+    <p:sldId id="258" r:id="rId10"/>
+    <p:sldId id="256" r:id="rId11"/>
+    <p:sldId id="257" r:id="rId12"/>
+    <p:sldId id="259" r:id="rId13"/>
+    <p:sldId id="260" r:id="rId14"/>
+    <p:sldId id="262" r:id="rId15"/>
+    <p:sldId id="261" r:id="rId16"/>
   </p:sldIdLst>
   <p:sldSz cx="12192000" cy="6858000"/>
   <p:notesSz cx="6858000" cy="9144000"/>
@@ -113,6 +121,11 @@
       </a:defRPr>
     </a:lvl9pPr>
   </p:defaultTextStyle>
+  <p:extLst>
+    <p:ext uri="{EFAFB233-063F-42B5-8137-9DF3F51BA10A}">
+      <p15:sldGuideLst xmlns:p15="http://schemas.microsoft.com/office/powerpoint/2012/main"/>
+    </p:ext>
+  </p:extLst>
 </p:presentation>
 </file>
 
@@ -871,37 +884,58 @@
       <dgm:spPr/>
     </dgm:pt>
     <dgm:pt modelId="{5C007623-1BA4-4462-839B-0A6682C58BB3}">
-      <dgm:prSet phldrT="[文字]"/>
+      <dgm:prSet phldrT="[文字]" custT="1"/>
       <dgm:spPr/>
       <dgm:t>
         <a:bodyPr/>
         <a:lstStyle/>
         <a:p>
           <a:r>
-            <a:rPr lang="zh-TW" altLang="en-US" dirty="0"/>
+            <a:rPr lang="zh-TW" altLang="en-US" sz="3200" dirty="0">
+              <a:latin typeface="標楷體" panose="03000509000000000000" pitchFamily="65" charset="-120"/>
+              <a:ea typeface="標楷體" panose="03000509000000000000" pitchFamily="65" charset="-120"/>
+            </a:rPr>
             <a:t>含心電圖</a:t>
           </a:r>
           <a:r>
-            <a:rPr lang="en-US" altLang="zh-TW" dirty="0"/>
+            <a:rPr lang="en-US" altLang="zh-TW" sz="3200" dirty="0">
+              <a:latin typeface="標楷體" panose="03000509000000000000" pitchFamily="65" charset="-120"/>
+              <a:ea typeface="標楷體" panose="03000509000000000000" pitchFamily="65" charset="-120"/>
+            </a:rPr>
             <a:t>12</a:t>
           </a:r>
           <a:r>
-            <a:rPr lang="zh-TW" altLang="en-US" dirty="0"/>
+            <a:rPr lang="zh-TW" altLang="en-US" sz="3200" dirty="0">
+              <a:latin typeface="標楷體" panose="03000509000000000000" pitchFamily="65" charset="-120"/>
+              <a:ea typeface="標楷體" panose="03000509000000000000" pitchFamily="65" charset="-120"/>
+            </a:rPr>
             <a:t>導程資料</a:t>
           </a:r>
-          <a:endParaRPr lang="en-US" altLang="zh-TW" dirty="0"/>
+          <a:endParaRPr lang="en-US" altLang="zh-TW" sz="3200" dirty="0">
+            <a:latin typeface="標楷體" panose="03000509000000000000" pitchFamily="65" charset="-120"/>
+            <a:ea typeface="標楷體" panose="03000509000000000000" pitchFamily="65" charset="-120"/>
+          </a:endParaRPr>
         </a:p>
         <a:p>
           <a:r>
-            <a:rPr lang="zh-TW" altLang="en-US" dirty="0"/>
+            <a:rPr lang="zh-TW" altLang="en-US" sz="3200" dirty="0">
+              <a:latin typeface="標楷體" panose="03000509000000000000" pitchFamily="65" charset="-120"/>
+              <a:ea typeface="標楷體" panose="03000509000000000000" pitchFamily="65" charset="-120"/>
+            </a:rPr>
             <a:t>的</a:t>
           </a:r>
           <a:r>
-            <a:rPr lang="en-US" altLang="zh-TW" dirty="0" err="1"/>
+            <a:rPr lang="en-US" altLang="zh-TW" sz="3200" dirty="0" err="1">
+              <a:latin typeface="標楷體" panose="03000509000000000000" pitchFamily="65" charset="-120"/>
+              <a:ea typeface="標楷體" panose="03000509000000000000" pitchFamily="65" charset="-120"/>
+            </a:rPr>
             <a:t>Dicom</a:t>
           </a:r>
           <a:r>
-            <a:rPr lang="zh-TW" altLang="en-US" dirty="0"/>
+            <a:rPr lang="zh-TW" altLang="en-US" sz="3200" dirty="0">
+              <a:latin typeface="標楷體" panose="03000509000000000000" pitchFamily="65" charset="-120"/>
+              <a:ea typeface="標楷體" panose="03000509000000000000" pitchFamily="65" charset="-120"/>
+            </a:rPr>
             <a:t>檔</a:t>
           </a:r>
         </a:p>
@@ -1019,7 +1053,7 @@
       <dgm:spPr/>
     </dgm:pt>
     <dgm:pt modelId="{54A2C5D9-84F3-4B37-BEB7-198DE21101F8}" type="pres">
-      <dgm:prSet presAssocID="{5C007623-1BA4-4462-839B-0A6682C58BB3}" presName="node" presStyleLbl="node1" presStyleIdx="0" presStyleCnt="3" custScaleX="145133" custScaleY="123469">
+      <dgm:prSet presAssocID="{5C007623-1BA4-4462-839B-0A6682C58BB3}" presName="node" presStyleLbl="node1" presStyleIdx="0" presStyleCnt="3" custScaleX="158450" custScaleY="123469">
         <dgm:presLayoutVars>
           <dgm:bulletEnabled val="1"/>
         </dgm:presLayoutVars>
@@ -1104,8 +1138,8 @@
       </dsp:nvSpPr>
       <dsp:spPr>
         <a:xfrm>
-          <a:off x="1953" y="2001503"/>
-          <a:ext cx="2773423" cy="1415660"/>
+          <a:off x="6977" y="1267381"/>
+          <a:ext cx="4231117" cy="2444861"/>
         </a:xfrm>
         <a:prstGeom prst="roundRect">
           <a:avLst>
@@ -1148,12 +1182,12 @@
         </a:fontRef>
       </dsp:style>
       <dsp:txBody>
-        <a:bodyPr spcFirstLastPara="0" vert="horz" wrap="square" lIns="80010" tIns="80010" rIns="80010" bIns="80010" numCol="1" spcCol="1270" anchor="ctr" anchorCtr="0">
+        <a:bodyPr spcFirstLastPara="0" vert="horz" wrap="square" lIns="121920" tIns="121920" rIns="121920" bIns="121920" numCol="1" spcCol="1270" anchor="ctr" anchorCtr="0">
           <a:noAutofit/>
         </a:bodyPr>
         <a:lstStyle/>
         <a:p>
-          <a:pPr marL="0" lvl="0" indent="0" algn="ctr" defTabSz="933450">
+          <a:pPr marL="0" lvl="0" indent="0" algn="ctr" defTabSz="1422400">
             <a:lnSpc>
               <a:spcPct val="90000"/>
             </a:lnSpc>
@@ -1166,21 +1200,33 @@
             <a:buNone/>
           </a:pPr>
           <a:r>
-            <a:rPr lang="zh-TW" altLang="en-US" sz="2100" kern="1200" dirty="0"/>
+            <a:rPr lang="zh-TW" altLang="en-US" sz="3200" kern="1200" dirty="0">
+              <a:latin typeface="標楷體" panose="03000509000000000000" pitchFamily="65" charset="-120"/>
+              <a:ea typeface="標楷體" panose="03000509000000000000" pitchFamily="65" charset="-120"/>
+            </a:rPr>
             <a:t>含心電圖</a:t>
           </a:r>
           <a:r>
-            <a:rPr lang="en-US" altLang="zh-TW" sz="2100" kern="1200" dirty="0"/>
+            <a:rPr lang="en-US" altLang="zh-TW" sz="3200" kern="1200" dirty="0">
+              <a:latin typeface="標楷體" panose="03000509000000000000" pitchFamily="65" charset="-120"/>
+              <a:ea typeface="標楷體" panose="03000509000000000000" pitchFamily="65" charset="-120"/>
+            </a:rPr>
             <a:t>12</a:t>
           </a:r>
           <a:r>
-            <a:rPr lang="zh-TW" altLang="en-US" sz="2100" kern="1200" dirty="0"/>
+            <a:rPr lang="zh-TW" altLang="en-US" sz="3200" kern="1200" dirty="0">
+              <a:latin typeface="標楷體" panose="03000509000000000000" pitchFamily="65" charset="-120"/>
+              <a:ea typeface="標楷體" panose="03000509000000000000" pitchFamily="65" charset="-120"/>
+            </a:rPr>
             <a:t>導程資料</a:t>
           </a:r>
-          <a:endParaRPr lang="en-US" altLang="zh-TW" sz="2100" kern="1200" dirty="0"/>
+          <a:endParaRPr lang="en-US" altLang="zh-TW" sz="3200" kern="1200" dirty="0">
+            <a:latin typeface="標楷體" panose="03000509000000000000" pitchFamily="65" charset="-120"/>
+            <a:ea typeface="標楷體" panose="03000509000000000000" pitchFamily="65" charset="-120"/>
+          </a:endParaRPr>
         </a:p>
         <a:p>
-          <a:pPr marL="0" lvl="0" indent="0" algn="ctr" defTabSz="933450">
+          <a:pPr marL="0" lvl="0" indent="0" algn="ctr" defTabSz="1422400">
             <a:lnSpc>
               <a:spcPct val="90000"/>
             </a:lnSpc>
@@ -1193,22 +1239,31 @@
             <a:buNone/>
           </a:pPr>
           <a:r>
-            <a:rPr lang="zh-TW" altLang="en-US" sz="2100" kern="1200" dirty="0"/>
+            <a:rPr lang="zh-TW" altLang="en-US" sz="3200" kern="1200" dirty="0">
+              <a:latin typeface="標楷體" panose="03000509000000000000" pitchFamily="65" charset="-120"/>
+              <a:ea typeface="標楷體" panose="03000509000000000000" pitchFamily="65" charset="-120"/>
+            </a:rPr>
             <a:t>的</a:t>
           </a:r>
           <a:r>
-            <a:rPr lang="en-US" altLang="zh-TW" sz="2100" kern="1200" dirty="0" err="1"/>
+            <a:rPr lang="en-US" altLang="zh-TW" sz="3200" kern="1200" dirty="0" err="1">
+              <a:latin typeface="標楷體" panose="03000509000000000000" pitchFamily="65" charset="-120"/>
+              <a:ea typeface="標楷體" panose="03000509000000000000" pitchFamily="65" charset="-120"/>
+            </a:rPr>
             <a:t>Dicom</a:t>
           </a:r>
           <a:r>
-            <a:rPr lang="zh-TW" altLang="en-US" sz="2100" kern="1200" dirty="0"/>
+            <a:rPr lang="zh-TW" altLang="en-US" sz="3200" kern="1200" dirty="0">
+              <a:latin typeface="標楷體" panose="03000509000000000000" pitchFamily="65" charset="-120"/>
+              <a:ea typeface="標楷體" panose="03000509000000000000" pitchFamily="65" charset="-120"/>
+            </a:rPr>
             <a:t>檔</a:t>
           </a:r>
         </a:p>
       </dsp:txBody>
       <dsp:txXfrm>
-        <a:off x="43416" y="2042966"/>
-        <a:ext cx="2690497" cy="1332734"/>
+        <a:off x="78585" y="1338989"/>
+        <a:ext cx="4087901" cy="2301645"/>
       </dsp:txXfrm>
     </dsp:sp>
     <dsp:sp modelId="{4142E5E4-C5FC-49CC-8F26-631F60E05CC5}">
@@ -1218,8 +1273,8 @@
       </dsp:nvSpPr>
       <dsp:spPr>
         <a:xfrm>
-          <a:off x="2966472" y="2472375"/>
-          <a:ext cx="405122" cy="473916"/>
+          <a:off x="4505126" y="2158692"/>
+          <a:ext cx="566107" cy="662238"/>
         </a:xfrm>
         <a:prstGeom prst="rightArrow">
           <a:avLst>
@@ -1261,7 +1316,7 @@
         </a:bodyPr>
         <a:lstStyle/>
         <a:p>
-          <a:pPr marL="0" lvl="0" indent="0" algn="ctr" defTabSz="755650">
+          <a:pPr marL="0" lvl="0" indent="0" algn="ctr" defTabSz="1244600">
             <a:lnSpc>
               <a:spcPct val="90000"/>
             </a:lnSpc>
@@ -1273,12 +1328,12 @@
             </a:spcAft>
             <a:buNone/>
           </a:pPr>
-          <a:endParaRPr lang="zh-TW" altLang="en-US" sz="1700" kern="1200"/>
+          <a:endParaRPr lang="zh-TW" altLang="en-US" sz="2800" kern="1200"/>
         </a:p>
       </dsp:txBody>
       <dsp:txXfrm>
-        <a:off x="2966472" y="2567158"/>
-        <a:ext cx="283585" cy="284350"/>
+        <a:off x="4505126" y="2291140"/>
+        <a:ext cx="396275" cy="397342"/>
       </dsp:txXfrm>
     </dsp:sp>
     <dsp:sp modelId="{9547E6E5-C83D-4767-98EC-C5F8F703B0AA}">
@@ -1288,8 +1343,8 @@
       </dsp:nvSpPr>
       <dsp:spPr>
         <a:xfrm>
-          <a:off x="3539758" y="2136047"/>
-          <a:ext cx="1910953" cy="1146571"/>
+          <a:off x="5306221" y="1499740"/>
+          <a:ext cx="2670317" cy="1980142"/>
         </a:xfrm>
         <a:prstGeom prst="roundRect">
           <a:avLst>
@@ -1332,12 +1387,12 @@
         </a:fontRef>
       </dsp:style>
       <dsp:txBody>
-        <a:bodyPr spcFirstLastPara="0" vert="horz" wrap="square" lIns="80010" tIns="80010" rIns="80010" bIns="80010" numCol="1" spcCol="1270" anchor="ctr" anchorCtr="0">
+        <a:bodyPr spcFirstLastPara="0" vert="horz" wrap="square" lIns="137160" tIns="137160" rIns="137160" bIns="137160" numCol="1" spcCol="1270" anchor="ctr" anchorCtr="0">
           <a:noAutofit/>
         </a:bodyPr>
         <a:lstStyle/>
         <a:p>
-          <a:pPr marL="0" lvl="0" indent="0" algn="ctr" defTabSz="933450">
+          <a:pPr marL="0" lvl="0" indent="0" algn="ctr" defTabSz="1600200">
             <a:lnSpc>
               <a:spcPct val="90000"/>
             </a:lnSpc>
@@ -1350,15 +1405,15 @@
             <a:buNone/>
           </a:pPr>
           <a:r>
-            <a:rPr lang="en-US" altLang="zh-TW" sz="2100" kern="1200" dirty="0"/>
+            <a:rPr lang="en-US" altLang="zh-TW" sz="3600" kern="1200" dirty="0"/>
             <a:t>JS Array</a:t>
           </a:r>
-          <a:endParaRPr lang="zh-TW" altLang="en-US" sz="2100" kern="1200" dirty="0"/>
+          <a:endParaRPr lang="zh-TW" altLang="en-US" sz="3600" kern="1200" dirty="0"/>
         </a:p>
       </dsp:txBody>
       <dsp:txXfrm>
-        <a:off x="3573340" y="2169629"/>
-        <a:ext cx="1843789" cy="1079407"/>
+        <a:off x="5364217" y="1557736"/>
+        <a:ext cx="2554325" cy="1864150"/>
       </dsp:txXfrm>
     </dsp:sp>
     <dsp:sp modelId="{DC3DA694-8A8D-4D5C-B9E5-8F3C89D35EA8}">
@@ -1368,8 +1423,8 @@
       </dsp:nvSpPr>
       <dsp:spPr>
         <a:xfrm>
-          <a:off x="5641807" y="2472375"/>
-          <a:ext cx="405122" cy="473916"/>
+          <a:off x="8243570" y="2158692"/>
+          <a:ext cx="566107" cy="662238"/>
         </a:xfrm>
         <a:prstGeom prst="rightArrow">
           <a:avLst>
@@ -1411,7 +1466,7 @@
         </a:bodyPr>
         <a:lstStyle/>
         <a:p>
-          <a:pPr marL="0" lvl="0" indent="0" algn="ctr" defTabSz="755650">
+          <a:pPr marL="0" lvl="0" indent="0" algn="ctr" defTabSz="1244600">
             <a:lnSpc>
               <a:spcPct val="90000"/>
             </a:lnSpc>
@@ -1423,12 +1478,12 @@
             </a:spcAft>
             <a:buNone/>
           </a:pPr>
-          <a:endParaRPr lang="zh-TW" altLang="en-US" sz="1700" kern="1200"/>
+          <a:endParaRPr lang="zh-TW" altLang="en-US" sz="2800" kern="1200"/>
         </a:p>
       </dsp:txBody>
       <dsp:txXfrm>
-        <a:off x="5641807" y="2567158"/>
-        <a:ext cx="283585" cy="284350"/>
+        <a:off x="8243570" y="2291140"/>
+        <a:ext cx="396275" cy="397342"/>
       </dsp:txXfrm>
     </dsp:sp>
     <dsp:sp modelId="{989296CB-5BA8-4CB2-96B6-D4DB6217DA97}">
@@ -1438,8 +1493,8 @@
       </dsp:nvSpPr>
       <dsp:spPr>
         <a:xfrm>
-          <a:off x="6215093" y="2136047"/>
-          <a:ext cx="1910953" cy="1146571"/>
+          <a:off x="9044665" y="1499740"/>
+          <a:ext cx="2670317" cy="1980142"/>
         </a:xfrm>
         <a:prstGeom prst="roundRect">
           <a:avLst>
@@ -1482,12 +1537,12 @@
         </a:fontRef>
       </dsp:style>
       <dsp:txBody>
-        <a:bodyPr spcFirstLastPara="0" vert="horz" wrap="square" lIns="80010" tIns="80010" rIns="80010" bIns="80010" numCol="1" spcCol="1270" anchor="ctr" anchorCtr="0">
+        <a:bodyPr spcFirstLastPara="0" vert="horz" wrap="square" lIns="137160" tIns="137160" rIns="137160" bIns="137160" numCol="1" spcCol="1270" anchor="ctr" anchorCtr="0">
           <a:noAutofit/>
         </a:bodyPr>
         <a:lstStyle/>
         <a:p>
-          <a:pPr marL="0" lvl="0" indent="0" algn="ctr" defTabSz="933450">
+          <a:pPr marL="0" lvl="0" indent="0" algn="ctr" defTabSz="1600200">
             <a:lnSpc>
               <a:spcPct val="90000"/>
             </a:lnSpc>
@@ -1500,12 +1555,12 @@
             <a:buNone/>
           </a:pPr>
           <a:r>
-            <a:rPr lang="en-US" altLang="zh-TW" sz="2100" kern="1200" dirty="0"/>
+            <a:rPr lang="en-US" altLang="zh-TW" sz="3600" kern="1200" dirty="0"/>
             <a:t>HTML</a:t>
           </a:r>
         </a:p>
         <a:p>
-          <a:pPr marL="0" lvl="0" indent="0" algn="ctr" defTabSz="933450">
+          <a:pPr marL="0" lvl="0" indent="0" algn="ctr" defTabSz="1600200">
             <a:lnSpc>
               <a:spcPct val="90000"/>
             </a:lnSpc>
@@ -1518,15 +1573,15 @@
             <a:buNone/>
           </a:pPr>
           <a:r>
-            <a:rPr lang="en-US" altLang="zh-TW" sz="2100" kern="1200" dirty="0"/>
+            <a:rPr lang="en-US" altLang="zh-TW" sz="3600" kern="1200" dirty="0"/>
             <a:t>Canvas</a:t>
           </a:r>
-          <a:endParaRPr lang="zh-TW" altLang="en-US" sz="2100" kern="1200" dirty="0"/>
+          <a:endParaRPr lang="zh-TW" altLang="en-US" sz="3600" kern="1200" dirty="0"/>
         </a:p>
       </dsp:txBody>
       <dsp:txXfrm>
-        <a:off x="6248675" y="2169629"/>
-        <a:ext cx="1843789" cy="1079407"/>
+        <a:off x="9102661" y="1557736"/>
+        <a:ext cx="2554325" cy="1864150"/>
       </dsp:txXfrm>
     </dsp:sp>
   </dsp:spTree>
@@ -2795,7 +2850,7 @@
           <a:p>
             <a:fld id="{4E14A775-F613-423A-BE26-40DC0C5443D6}" type="datetimeFigureOut">
               <a:rPr lang="zh-TW" altLang="en-US" smtClean="0"/>
-              <a:t>2019/5/20</a:t>
+              <a:t>2019/5/22</a:t>
             </a:fld>
             <a:endParaRPr lang="zh-TW" altLang="en-US"/>
           </a:p>
@@ -3162,7 +3217,7 @@
           <a:p>
             <a:fld id="{19696FD7-3633-4C4B-8405-95F6C2564FFA}" type="slidenum">
               <a:rPr lang="zh-TW" altLang="en-US" smtClean="0"/>
-              <a:t>2</a:t>
+              <a:t>10</a:t>
             </a:fld>
             <a:endParaRPr lang="zh-TW" altLang="en-US"/>
           </a:p>
@@ -3289,7 +3344,7 @@
           <a:p>
             <a:fld id="{19696FD7-3633-4C4B-8405-95F6C2564FFA}" type="slidenum">
               <a:rPr lang="zh-TW" altLang="en-US" smtClean="0"/>
-              <a:t>3</a:t>
+              <a:t>11</a:t>
             </a:fld>
             <a:endParaRPr lang="zh-TW" altLang="en-US"/>
           </a:p>
@@ -3373,7 +3428,7 @@
           <a:p>
             <a:fld id="{19696FD7-3633-4C4B-8405-95F6C2564FFA}" type="slidenum">
               <a:rPr lang="zh-TW" altLang="en-US" smtClean="0"/>
-              <a:t>4</a:t>
+              <a:t>12</a:t>
             </a:fld>
             <a:endParaRPr lang="zh-TW" altLang="en-US"/>
           </a:p>
@@ -3470,7 +3525,7 @@
           <a:p>
             <a:fld id="{19696FD7-3633-4C4B-8405-95F6C2564FFA}" type="slidenum">
               <a:rPr lang="zh-TW" altLang="en-US" smtClean="0"/>
-              <a:t>5</a:t>
+              <a:t>13</a:t>
             </a:fld>
             <a:endParaRPr lang="zh-TW" altLang="en-US"/>
           </a:p>
@@ -3703,7 +3758,7 @@
             <a:fld id="{B61BEF0D-F0BB-DE4B-95CE-6DB70DBA9567}" type="datetimeFigureOut">
               <a:rPr lang="en-US" smtClean="0"/>
               <a:pPr/>
-              <a:t>5/20/2019</a:t>
+              <a:t>5/22/2019</a:t>
             </a:fld>
             <a:endParaRPr lang="en-US" dirty="0"/>
           </a:p>
@@ -3996,7 +4051,7 @@
             <a:fld id="{B61BEF0D-F0BB-DE4B-95CE-6DB70DBA9567}" type="datetimeFigureOut">
               <a:rPr lang="en-US" smtClean="0"/>
               <a:pPr/>
-              <a:t>5/20/2019</a:t>
+              <a:t>5/22/2019</a:t>
             </a:fld>
             <a:endParaRPr lang="en-US" dirty="0"/>
           </a:p>
@@ -4257,7 +4312,7 @@
             <a:fld id="{B61BEF0D-F0BB-DE4B-95CE-6DB70DBA9567}" type="datetimeFigureOut">
               <a:rPr lang="en-US" smtClean="0"/>
               <a:pPr/>
-              <a:t>5/20/2019</a:t>
+              <a:t>5/22/2019</a:t>
             </a:fld>
             <a:endParaRPr lang="en-US" dirty="0"/>
           </a:p>
@@ -4728,7 +4783,7 @@
             <a:fld id="{B61BEF0D-F0BB-DE4B-95CE-6DB70DBA9567}" type="datetimeFigureOut">
               <a:rPr lang="en-US" smtClean="0"/>
               <a:pPr/>
-              <a:t>5/20/2019</a:t>
+              <a:t>5/22/2019</a:t>
             </a:fld>
             <a:endParaRPr lang="en-US" dirty="0"/>
           </a:p>
@@ -4910,7 +4965,7 @@
             <a:fld id="{B61BEF0D-F0BB-DE4B-95CE-6DB70DBA9567}" type="datetimeFigureOut">
               <a:rPr lang="en-US" smtClean="0"/>
               <a:pPr/>
-              <a:t>5/20/2019</a:t>
+              <a:t>5/22/2019</a:t>
             </a:fld>
             <a:endParaRPr lang="en-US" dirty="0"/>
           </a:p>
@@ -5488,7 +5543,7 @@
             <a:fld id="{B61BEF0D-F0BB-DE4B-95CE-6DB70DBA9567}" type="datetimeFigureOut">
               <a:rPr lang="en-US" smtClean="0"/>
               <a:pPr/>
-              <a:t>5/20/2019</a:t>
+              <a:t>5/22/2019</a:t>
             </a:fld>
             <a:endParaRPr lang="en-US" dirty="0"/>
           </a:p>
@@ -5822,7 +5877,7 @@
             <a:fld id="{B61BEF0D-F0BB-DE4B-95CE-6DB70DBA9567}" type="datetimeFigureOut">
               <a:rPr lang="en-US" smtClean="0"/>
               <a:pPr/>
-              <a:t>5/20/2019</a:t>
+              <a:t>5/22/2019</a:t>
             </a:fld>
             <a:endParaRPr lang="en-US" dirty="0"/>
           </a:p>
@@ -5999,7 +6054,7 @@
             <a:fld id="{B61BEF0D-F0BB-DE4B-95CE-6DB70DBA9567}" type="datetimeFigureOut">
               <a:rPr lang="en-US" smtClean="0"/>
               <a:pPr/>
-              <a:t>5/20/2019</a:t>
+              <a:t>5/22/2019</a:t>
             </a:fld>
             <a:endParaRPr lang="en-US" dirty="0"/>
           </a:p>
@@ -6181,7 +6236,7 @@
             <a:fld id="{B61BEF0D-F0BB-DE4B-95CE-6DB70DBA9567}" type="datetimeFigureOut">
               <a:rPr lang="en-US" smtClean="0"/>
               <a:pPr/>
-              <a:t>5/20/2019</a:t>
+              <a:t>5/22/2019</a:t>
             </a:fld>
             <a:endParaRPr lang="en-US" dirty="0"/>
           </a:p>
@@ -6353,7 +6408,7 @@
             <a:fld id="{B61BEF0D-F0BB-DE4B-95CE-6DB70DBA9567}" type="datetimeFigureOut">
               <a:rPr lang="en-US" smtClean="0"/>
               <a:pPr/>
-              <a:t>5/20/2019</a:t>
+              <a:t>5/22/2019</a:t>
             </a:fld>
             <a:endParaRPr lang="en-US" dirty="0"/>
           </a:p>
@@ -6612,7 +6667,7 @@
             <a:fld id="{B61BEF0D-F0BB-DE4B-95CE-6DB70DBA9567}" type="datetimeFigureOut">
               <a:rPr lang="en-US" smtClean="0"/>
               <a:pPr/>
-              <a:t>5/20/2019</a:t>
+              <a:t>5/22/2019</a:t>
             </a:fld>
             <a:endParaRPr lang="en-US" dirty="0"/>
           </a:p>
@@ -6906,7 +6961,7 @@
             <a:fld id="{B61BEF0D-F0BB-DE4B-95CE-6DB70DBA9567}" type="datetimeFigureOut">
               <a:rPr lang="en-US" smtClean="0"/>
               <a:pPr/>
-              <a:t>5/20/2019</a:t>
+              <a:t>5/22/2019</a:t>
             </a:fld>
             <a:endParaRPr lang="en-US" dirty="0"/>
           </a:p>
@@ -7338,7 +7393,7 @@
             <a:fld id="{B61BEF0D-F0BB-DE4B-95CE-6DB70DBA9567}" type="datetimeFigureOut">
               <a:rPr lang="en-US" smtClean="0"/>
               <a:pPr/>
-              <a:t>5/20/2019</a:t>
+              <a:t>5/22/2019</a:t>
             </a:fld>
             <a:endParaRPr lang="en-US" dirty="0"/>
           </a:p>
@@ -7458,7 +7513,7 @@
             <a:fld id="{B61BEF0D-F0BB-DE4B-95CE-6DB70DBA9567}" type="datetimeFigureOut">
               <a:rPr lang="en-US" smtClean="0"/>
               <a:pPr/>
-              <a:t>5/20/2019</a:t>
+              <a:t>5/22/2019</a:t>
             </a:fld>
             <a:endParaRPr lang="en-US" dirty="0"/>
           </a:p>
@@ -7555,7 +7610,7 @@
             <a:fld id="{B61BEF0D-F0BB-DE4B-95CE-6DB70DBA9567}" type="datetimeFigureOut">
               <a:rPr lang="en-US" smtClean="0"/>
               <a:pPr/>
-              <a:t>5/20/2019</a:t>
+              <a:t>5/22/2019</a:t>
             </a:fld>
             <a:endParaRPr lang="en-US" dirty="0"/>
           </a:p>
@@ -7840,7 +7895,7 @@
             <a:fld id="{B61BEF0D-F0BB-DE4B-95CE-6DB70DBA9567}" type="datetimeFigureOut">
               <a:rPr lang="en-US" smtClean="0"/>
               <a:pPr/>
-              <a:t>5/20/2019</a:t>
+              <a:t>5/22/2019</a:t>
             </a:fld>
             <a:endParaRPr lang="en-US" dirty="0"/>
           </a:p>
@@ -8133,7 +8188,7 @@
             <a:fld id="{B61BEF0D-F0BB-DE4B-95CE-6DB70DBA9567}" type="datetimeFigureOut">
               <a:rPr lang="en-US" smtClean="0"/>
               <a:pPr/>
-              <a:t>5/20/2019</a:t>
+              <a:t>5/22/2019</a:t>
             </a:fld>
             <a:endParaRPr lang="en-US" dirty="0"/>
           </a:p>
@@ -8366,7 +8421,7 @@
             <a:fld id="{B61BEF0D-F0BB-DE4B-95CE-6DB70DBA9567}" type="datetimeFigureOut">
               <a:rPr lang="en-US" smtClean="0"/>
               <a:pPr/>
-              <a:t>5/20/2019</a:t>
+              <a:t>5/22/2019</a:t>
             </a:fld>
             <a:endParaRPr lang="en-US" dirty="0"/>
           </a:p>
@@ -9141,7 +9196,7 @@
           <p:cNvPr id="2" name="標題 1">
             <a:extLst>
               <a:ext uri="{FF2B5EF4-FFF2-40B4-BE49-F238E27FC236}">
-                <a16:creationId xmlns:a16="http://schemas.microsoft.com/office/drawing/2014/main" id="{56FC53F2-5DAF-41EA-8E3B-6FA816BA7BB9}"/>
+                <a16:creationId xmlns:a16="http://schemas.microsoft.com/office/drawing/2014/main" id="{221F2736-6F20-4BBF-B22D-C525D147F12E}"/>
               </a:ext>
             </a:extLst>
           </p:cNvPr>
@@ -9152,46 +9207,12 @@
             <p:ph type="ctrTitle"/>
           </p:nvPr>
         </p:nvSpPr>
-        <p:spPr>
-          <a:xfrm>
-            <a:off x="1751012" y="266701"/>
-            <a:ext cx="8676222" cy="3200400"/>
-          </a:xfrm>
-        </p:spPr>
-        <p:txBody>
-          <a:bodyPr>
-            <a:normAutofit/>
-          </a:bodyPr>
+        <p:spPr/>
+        <p:txBody>
+          <a:bodyPr/>
           <a:lstStyle/>
           <a:p>
-            <a:r>
-              <a:rPr lang="zh-TW" altLang="zh-TW" sz="5400" b="1" dirty="0">
-                <a:effectLst/>
-                <a:latin typeface="標楷體" panose="03000509000000000000" pitchFamily="65" charset="-120"/>
-                <a:ea typeface="標楷體" panose="03000509000000000000" pitchFamily="65" charset="-120"/>
-              </a:rPr>
-              <a:t>波形資料與</a:t>
-            </a:r>
-            <a:r>
-              <a:rPr lang="en-US" altLang="zh-TW" sz="5400" b="1" dirty="0">
-                <a:effectLst/>
-                <a:latin typeface="標楷體" panose="03000509000000000000" pitchFamily="65" charset="-120"/>
-                <a:ea typeface="標楷體" panose="03000509000000000000" pitchFamily="65" charset="-120"/>
-              </a:rPr>
-              <a:t> FHIR </a:t>
-            </a:r>
-            <a:r>
-              <a:rPr lang="zh-TW" altLang="zh-TW" sz="5400" b="1" dirty="0">
-                <a:effectLst/>
-                <a:latin typeface="標楷體" panose="03000509000000000000" pitchFamily="65" charset="-120"/>
-                <a:ea typeface="標楷體" panose="03000509000000000000" pitchFamily="65" charset="-120"/>
-              </a:rPr>
-              <a:t>規格轉換</a:t>
-            </a:r>
-            <a:endParaRPr lang="zh-TW" altLang="en-US" sz="5400" dirty="0">
-              <a:latin typeface="標楷體" panose="03000509000000000000" pitchFamily="65" charset="-120"/>
-              <a:ea typeface="標楷體" panose="03000509000000000000" pitchFamily="65" charset="-120"/>
-            </a:endParaRPr>
+            <a:endParaRPr lang="zh-TW" altLang="en-US"/>
           </a:p>
         </p:txBody>
       </p:sp>
@@ -9200,7 +9221,7 @@
           <p:cNvPr id="3" name="副標題 2">
             <a:extLst>
               <a:ext uri="{FF2B5EF4-FFF2-40B4-BE49-F238E27FC236}">
-                <a16:creationId xmlns:a16="http://schemas.microsoft.com/office/drawing/2014/main" id="{978AB918-8D5C-4FC4-99B2-0A24EAEA24DF}"/>
+                <a16:creationId xmlns:a16="http://schemas.microsoft.com/office/drawing/2014/main" id="{74EC7B04-CAB6-4026-89FE-FB34569E8D94}"/>
               </a:ext>
             </a:extLst>
           </p:cNvPr>
@@ -9211,32 +9232,49 @@
             <p:ph type="subTitle" idx="1"/>
           </p:nvPr>
         </p:nvSpPr>
+        <p:spPr/>
+        <p:txBody>
+          <a:bodyPr/>
+          <a:lstStyle/>
+          <a:p>
+            <a:endParaRPr lang="zh-TW" altLang="en-US"/>
+          </a:p>
+        </p:txBody>
+      </p:sp>
+      <p:pic>
+        <p:nvPicPr>
+          <p:cNvPr id="5" name="圖片 4">
+            <a:extLst>
+              <a:ext uri="{FF2B5EF4-FFF2-40B4-BE49-F238E27FC236}">
+                <a16:creationId xmlns:a16="http://schemas.microsoft.com/office/drawing/2014/main" id="{1CA5458D-8995-406F-9093-69B7D801DE26}"/>
+              </a:ext>
+            </a:extLst>
+          </p:cNvPr>
+          <p:cNvPicPr>
+            <a:picLocks noChangeAspect="1"/>
+          </p:cNvPicPr>
+          <p:nvPr/>
+        </p:nvPicPr>
+        <p:blipFill>
+          <a:blip r:embed="rId2"/>
+          <a:stretch>
+            <a:fillRect/>
+          </a:stretch>
+        </p:blipFill>
         <p:spPr>
           <a:xfrm>
-            <a:off x="1751012" y="3831115"/>
-            <a:ext cx="8676222" cy="1905000"/>
+            <a:off x="-42000" y="0"/>
+            <a:ext cx="12234000" cy="6858000"/>
           </a:xfrm>
+          <a:prstGeom prst="rect">
+            <a:avLst/>
+          </a:prstGeom>
         </p:spPr>
-        <p:txBody>
-          <a:bodyPr>
-            <a:normAutofit/>
-          </a:bodyPr>
-          <a:lstStyle/>
-          <a:p>
-            <a:r>
-              <a:rPr lang="zh-TW" altLang="en-US" sz="3600" dirty="0">
-                <a:latin typeface="標楷體" panose="03000509000000000000" pitchFamily="65" charset="-120"/>
-                <a:ea typeface="標楷體" panose="03000509000000000000" pitchFamily="65" charset="-120"/>
-              </a:rPr>
-              <a:t>慈大附中 劉育綸</a:t>
-            </a:r>
-          </a:p>
-        </p:txBody>
-      </p:sp>
+      </p:pic>
     </p:spTree>
     <p:extLst>
       <p:ext uri="{BB962C8B-B14F-4D97-AF65-F5344CB8AC3E}">
-        <p14:creationId xmlns:p14="http://schemas.microsoft.com/office/powerpoint/2010/main" val="1347704836"/>
+        <p14:creationId xmlns:p14="http://schemas.microsoft.com/office/powerpoint/2010/main" val="1968450812"/>
       </p:ext>
     </p:extLst>
   </p:cSld>
@@ -9246,7 +9284,7 @@
 </p:sld>
 </file>
 
-<file path=ppt/slides/slide2.xml><?xml version="1.0" encoding="utf-8"?>
+<file path=ppt/slides/slide10.xml><?xml version="1.0" encoding="utf-8"?>
 <p:sld xmlns:a="http://schemas.openxmlformats.org/drawingml/2006/main" xmlns:r="http://schemas.openxmlformats.org/officeDocument/2006/relationships" xmlns:p="http://schemas.openxmlformats.org/presentationml/2006/main">
   <p:cSld>
     <p:spTree>
@@ -9276,14 +9314,14 @@
           <p:nvPr>
             <p:extLst>
               <p:ext uri="{D42A27DB-BD31-4B8C-83A1-F6EECF244321}">
-                <p14:modId xmlns:p14="http://schemas.microsoft.com/office/powerpoint/2010/main" val="925655577"/>
+                <p14:modId xmlns:p14="http://schemas.microsoft.com/office/powerpoint/2010/main" val="2235554491"/>
               </p:ext>
             </p:extLst>
           </p:nvPr>
         </p:nvGraphicFramePr>
         <p:xfrm>
-          <a:off x="2032000" y="719666"/>
-          <a:ext cx="8128000" cy="5418667"/>
+          <a:off x="220324" y="1167788"/>
+          <a:ext cx="11721960" cy="4979624"/>
         </p:xfrm>
         <a:graphic>
           <a:graphicData uri="http://schemas.openxmlformats.org/drawingml/2006/diagram">
@@ -9355,7 +9393,7 @@
 </p:sld>
 </file>
 
-<file path=ppt/slides/slide3.xml><?xml version="1.0" encoding="utf-8"?>
+<file path=ppt/slides/slide11.xml><?xml version="1.0" encoding="utf-8"?>
 <p:sld xmlns:a="http://schemas.openxmlformats.org/drawingml/2006/main" xmlns:r="http://schemas.openxmlformats.org/officeDocument/2006/relationships" xmlns:p="http://schemas.openxmlformats.org/presentationml/2006/main">
   <p:cSld>
     <p:spTree>
@@ -9592,53 +9630,53 @@
         </p:nvSpPr>
         <p:spPr>
           <a:xfrm>
-            <a:off x="6554372" y="4040438"/>
-            <a:ext cx="4693850" cy="1905000"/>
+            <a:off x="6554371" y="4040437"/>
+            <a:ext cx="5299777" cy="2294261"/>
           </a:xfrm>
         </p:spPr>
         <p:txBody>
           <a:bodyPr>
-            <a:normAutofit fontScale="92500" lnSpcReduction="20000"/>
+            <a:normAutofit fontScale="92500" lnSpcReduction="10000"/>
           </a:bodyPr>
           <a:lstStyle/>
           <a:p>
             <a:pPr algn="l"/>
             <a:r>
-              <a:rPr lang="zh-TW" altLang="en-US" sz="2800" dirty="0">
+              <a:rPr lang="zh-TW" altLang="en-US" sz="3200" dirty="0">
                 <a:latin typeface="標楷體" panose="03000509000000000000" pitchFamily="65" charset="-120"/>
                 <a:ea typeface="標楷體" panose="03000509000000000000" pitchFamily="65" charset="-120"/>
               </a:rPr>
               <a:t>每點訊號 </a:t>
             </a:r>
             <a:r>
-              <a:rPr lang="en-US" altLang="zh-TW" sz="2800" dirty="0">
+              <a:rPr lang="en-US" altLang="zh-TW" sz="3200" dirty="0">
                 <a:latin typeface="標楷體" panose="03000509000000000000" pitchFamily="65" charset="-120"/>
                 <a:ea typeface="標楷體" panose="03000509000000000000" pitchFamily="65" charset="-120"/>
               </a:rPr>
               <a:t>2</a:t>
             </a:r>
             <a:r>
-              <a:rPr lang="zh-TW" altLang="en-US" sz="2800" dirty="0">
+              <a:rPr lang="zh-TW" altLang="en-US" sz="3200" dirty="0">
                 <a:latin typeface="標楷體" panose="03000509000000000000" pitchFamily="65" charset="-120"/>
                 <a:ea typeface="標楷體" panose="03000509000000000000" pitchFamily="65" charset="-120"/>
               </a:rPr>
               <a:t> </a:t>
             </a:r>
             <a:r>
-              <a:rPr lang="en-US" altLang="zh-TW" sz="2800" dirty="0">
+              <a:rPr lang="en-US" altLang="zh-TW" sz="3200" dirty="0">
                 <a:latin typeface="標楷體" panose="03000509000000000000" pitchFamily="65" charset="-120"/>
                 <a:ea typeface="標楷體" panose="03000509000000000000" pitchFamily="65" charset="-120"/>
               </a:rPr>
               <a:t>bytes</a:t>
             </a:r>
             <a:r>
-              <a:rPr lang="zh-TW" altLang="en-US" sz="2800" dirty="0">
+              <a:rPr lang="zh-TW" altLang="en-US" sz="3200" dirty="0">
                 <a:latin typeface="標楷體" panose="03000509000000000000" pitchFamily="65" charset="-120"/>
                 <a:ea typeface="標楷體" panose="03000509000000000000" pitchFamily="65" charset="-120"/>
               </a:rPr>
               <a:t> </a:t>
             </a:r>
-            <a:endParaRPr lang="en-US" altLang="zh-TW" sz="2800" dirty="0">
+            <a:endParaRPr lang="en-US" altLang="zh-TW" sz="3200" dirty="0">
               <a:latin typeface="標楷體" panose="03000509000000000000" pitchFamily="65" charset="-120"/>
               <a:ea typeface="標楷體" panose="03000509000000000000" pitchFamily="65" charset="-120"/>
             </a:endParaRPr>
@@ -9646,41 +9684,41 @@
           <a:p>
             <a:pPr algn="l"/>
             <a:r>
-              <a:rPr lang="zh-TW" altLang="en-US" sz="2800" dirty="0">
+              <a:rPr lang="zh-TW" altLang="en-US" sz="3200" dirty="0">
                 <a:latin typeface="標楷體" panose="03000509000000000000" pitchFamily="65" charset="-120"/>
                 <a:ea typeface="標楷體" panose="03000509000000000000" pitchFamily="65" charset="-120"/>
               </a:rPr>
               <a:t>取樣頻率</a:t>
             </a:r>
             <a:r>
-              <a:rPr lang="en-US" altLang="zh-TW" sz="2800" dirty="0">
+              <a:rPr lang="en-US" altLang="zh-TW" sz="3200" dirty="0">
                 <a:latin typeface="標楷體" panose="03000509000000000000" pitchFamily="65" charset="-120"/>
                 <a:ea typeface="標楷體" panose="03000509000000000000" pitchFamily="65" charset="-120"/>
               </a:rPr>
               <a:t>500</a:t>
             </a:r>
             <a:r>
-              <a:rPr lang="zh-TW" altLang="en-US" sz="2800" dirty="0">
+              <a:rPr lang="zh-TW" altLang="en-US" sz="3200" dirty="0">
                 <a:latin typeface="標楷體" panose="03000509000000000000" pitchFamily="65" charset="-120"/>
                 <a:ea typeface="標楷體" panose="03000509000000000000" pitchFamily="65" charset="-120"/>
               </a:rPr>
               <a:t>次</a:t>
             </a:r>
             <a:r>
-              <a:rPr lang="en-US" altLang="zh-TW" sz="2800" dirty="0">
+              <a:rPr lang="en-US" altLang="zh-TW" sz="3200" dirty="0">
                 <a:latin typeface="標楷體" panose="03000509000000000000" pitchFamily="65" charset="-120"/>
                 <a:ea typeface="標楷體" panose="03000509000000000000" pitchFamily="65" charset="-120"/>
               </a:rPr>
               <a:t>/</a:t>
             </a:r>
             <a:r>
-              <a:rPr lang="zh-TW" altLang="en-US" sz="2800" dirty="0">
+              <a:rPr lang="zh-TW" altLang="en-US" sz="3200" dirty="0">
                 <a:latin typeface="標楷體" panose="03000509000000000000" pitchFamily="65" charset="-120"/>
                 <a:ea typeface="標楷體" panose="03000509000000000000" pitchFamily="65" charset="-120"/>
               </a:rPr>
               <a:t>秒</a:t>
             </a:r>
-            <a:endParaRPr lang="en-US" altLang="zh-TW" sz="2800" dirty="0">
+            <a:endParaRPr lang="en-US" altLang="zh-TW" sz="3200" dirty="0">
               <a:latin typeface="標楷體" panose="03000509000000000000" pitchFamily="65" charset="-120"/>
               <a:ea typeface="標楷體" panose="03000509000000000000" pitchFamily="65" charset="-120"/>
             </a:endParaRPr>
@@ -9688,27 +9726,27 @@
           <a:p>
             <a:pPr algn="l"/>
             <a:r>
-              <a:rPr lang="zh-TW" altLang="en-US" sz="2800" dirty="0">
+              <a:rPr lang="zh-TW" altLang="en-US" sz="3200" dirty="0">
                 <a:latin typeface="標楷體" panose="03000509000000000000" pitchFamily="65" charset="-120"/>
                 <a:ea typeface="標楷體" panose="03000509000000000000" pitchFamily="65" charset="-120"/>
               </a:rPr>
               <a:t>記錄</a:t>
             </a:r>
             <a:r>
-              <a:rPr lang="en-US" altLang="zh-TW" sz="2800" dirty="0">
+              <a:rPr lang="en-US" altLang="zh-TW" sz="3200" dirty="0">
                 <a:latin typeface="標楷體" panose="03000509000000000000" pitchFamily="65" charset="-120"/>
                 <a:ea typeface="標楷體" panose="03000509000000000000" pitchFamily="65" charset="-120"/>
               </a:rPr>
               <a:t>10</a:t>
             </a:r>
             <a:r>
-              <a:rPr lang="zh-TW" altLang="en-US" sz="2800" dirty="0">
+              <a:rPr lang="zh-TW" altLang="en-US" sz="3200" dirty="0">
                 <a:latin typeface="標楷體" panose="03000509000000000000" pitchFamily="65" charset="-120"/>
                 <a:ea typeface="標楷體" panose="03000509000000000000" pitchFamily="65" charset="-120"/>
               </a:rPr>
               <a:t>秒鐘的訊號</a:t>
             </a:r>
-            <a:endParaRPr lang="en-US" altLang="zh-TW" sz="2800" dirty="0">
+            <a:endParaRPr lang="en-US" altLang="zh-TW" sz="3200" dirty="0">
               <a:latin typeface="標楷體" panose="03000509000000000000" pitchFamily="65" charset="-120"/>
               <a:ea typeface="標楷體" panose="03000509000000000000" pitchFamily="65" charset="-120"/>
             </a:endParaRPr>
@@ -9716,26 +9754,30 @@
           <a:p>
             <a:pPr algn="l"/>
             <a:r>
-              <a:rPr lang="zh-TW" altLang="en-US" sz="2800" dirty="0">
+              <a:rPr lang="zh-TW" altLang="en-US" sz="3200" dirty="0">
                 <a:latin typeface="標楷體" panose="03000509000000000000" pitchFamily="65" charset="-120"/>
                 <a:ea typeface="標楷體" panose="03000509000000000000" pitchFamily="65" charset="-120"/>
               </a:rPr>
               <a:t>共</a:t>
             </a:r>
             <a:r>
-              <a:rPr lang="en-US" altLang="zh-TW" sz="2800" dirty="0">
+              <a:rPr lang="en-US" altLang="zh-TW" sz="3200" dirty="0">
                 <a:latin typeface="標楷體" panose="03000509000000000000" pitchFamily="65" charset="-120"/>
                 <a:ea typeface="標楷體" panose="03000509000000000000" pitchFamily="65" charset="-120"/>
               </a:rPr>
               <a:t>12</a:t>
             </a:r>
             <a:r>
-              <a:rPr lang="zh-TW" altLang="en-US" sz="2800" dirty="0">
+              <a:rPr lang="zh-TW" altLang="en-US" sz="3200" dirty="0">
                 <a:latin typeface="標楷體" panose="03000509000000000000" pitchFamily="65" charset="-120"/>
                 <a:ea typeface="標楷體" panose="03000509000000000000" pitchFamily="65" charset="-120"/>
               </a:rPr>
               <a:t>個導程</a:t>
             </a:r>
+            <a:endParaRPr lang="zh-TW" altLang="en-US" sz="2800" dirty="0">
+              <a:latin typeface="標楷體" panose="03000509000000000000" pitchFamily="65" charset="-120"/>
+              <a:ea typeface="標楷體" panose="03000509000000000000" pitchFamily="65" charset="-120"/>
+            </a:endParaRPr>
           </a:p>
         </p:txBody>
       </p:sp>
@@ -9966,7 +10008,7 @@
 </p:sld>
 </file>
 
-<file path=ppt/slides/slide4.xml><?xml version="1.0" encoding="utf-8"?>
+<file path=ppt/slides/slide12.xml><?xml version="1.0" encoding="utf-8"?>
 <p:sld xmlns:a="http://schemas.openxmlformats.org/drawingml/2006/main" xmlns:r="http://schemas.openxmlformats.org/officeDocument/2006/relationships" xmlns:p="http://schemas.openxmlformats.org/presentationml/2006/main">
   <p:cSld>
     <p:spTree>
@@ -10117,7 +10159,7 @@
 </p:sld>
 </file>
 
-<file path=ppt/slides/slide5.xml><?xml version="1.0" encoding="utf-8"?>
+<file path=ppt/slides/slide13.xml><?xml version="1.0" encoding="utf-8"?>
 <p:sld xmlns:a="http://schemas.openxmlformats.org/drawingml/2006/main" xmlns:r="http://schemas.openxmlformats.org/officeDocument/2006/relationships" xmlns:p="http://schemas.openxmlformats.org/presentationml/2006/main">
   <p:cSld>
     <p:spTree>
@@ -10321,7 +10363,7 @@
 </p:sld>
 </file>
 
-<file path=ppt/slides/slide6.xml><?xml version="1.0" encoding="utf-8"?>
+<file path=ppt/slides/slide14.xml><?xml version="1.0" encoding="utf-8"?>
 <p:sld xmlns:a="http://schemas.openxmlformats.org/drawingml/2006/main" xmlns:r="http://schemas.openxmlformats.org/officeDocument/2006/relationships" xmlns:p="http://schemas.openxmlformats.org/presentationml/2006/main">
   <p:cSld>
     <p:spTree>
@@ -10340,6 +10382,188 @@
       </p:grpSpPr>
       <p:sp>
         <p:nvSpPr>
+          <p:cNvPr id="4" name="標題 1">
+            <a:extLst>
+              <a:ext uri="{FF2B5EF4-FFF2-40B4-BE49-F238E27FC236}">
+                <a16:creationId xmlns:a16="http://schemas.microsoft.com/office/drawing/2014/main" id="{707F123F-F6F6-4FDE-8B99-4E890ED03EFE}"/>
+              </a:ext>
+            </a:extLst>
+          </p:cNvPr>
+          <p:cNvSpPr txBox="1">
+            <a:spLocks/>
+          </p:cNvSpPr>
+          <p:nvPr/>
+        </p:nvSpPr>
+        <p:spPr>
+          <a:xfrm>
+            <a:off x="1662872" y="1974327"/>
+            <a:ext cx="8676222" cy="3200400"/>
+          </a:xfrm>
+          <a:prstGeom prst="rect">
+            <a:avLst/>
+          </a:prstGeom>
+        </p:spPr>
+        <p:txBody>
+          <a:bodyPr vert="horz" lIns="91440" tIns="45720" rIns="91440" bIns="45720" rtlCol="0" anchor="ctr">
+            <a:normAutofit/>
+          </a:bodyPr>
+          <a:lstStyle>
+            <a:lvl1pPr algn="l" defTabSz="457200" rtl="0" eaLnBrk="1" latinLnBrk="0" hangingPunct="1">
+              <a:spcBef>
+                <a:spcPct val="0"/>
+              </a:spcBef>
+              <a:buNone/>
+              <a:defRPr sz="3200" kern="1200" cap="all">
+                <a:ln w="3175" cmpd="sng">
+                  <a:noFill/>
+                </a:ln>
+                <a:gradFill flip="none" rotWithShape="1">
+                  <a:gsLst>
+                    <a:gs pos="0">
+                      <a:schemeClr val="tx1"/>
+                    </a:gs>
+                    <a:gs pos="100000">
+                      <a:schemeClr val="tx1">
+                        <a:lumMod val="65000"/>
+                      </a:schemeClr>
+                    </a:gs>
+                  </a:gsLst>
+                  <a:lin ang="5580000" scaled="0"/>
+                  <a:tileRect/>
+                </a:gradFill>
+                <a:effectLst>
+                  <a:glow rad="38100">
+                    <a:schemeClr val="bg1">
+                      <a:lumMod val="65000"/>
+                      <a:lumOff val="35000"/>
+                      <a:alpha val="40000"/>
+                    </a:schemeClr>
+                  </a:glow>
+                  <a:outerShdw blurRad="28575" dist="38100" dir="14040000" algn="tl" rotWithShape="0">
+                    <a:srgbClr val="000000">
+                      <a:alpha val="25000"/>
+                    </a:srgbClr>
+                  </a:outerShdw>
+                </a:effectLst>
+                <a:latin typeface="+mj-lt"/>
+                <a:ea typeface="+mj-ea"/>
+                <a:cs typeface="+mj-cs"/>
+              </a:defRPr>
+            </a:lvl1pPr>
+            <a:lvl2pPr eaLnBrk="1" hangingPunct="1">
+              <a:defRPr>
+                <a:solidFill>
+                  <a:schemeClr val="tx2"/>
+                </a:solidFill>
+              </a:defRPr>
+            </a:lvl2pPr>
+            <a:lvl3pPr eaLnBrk="1" hangingPunct="1">
+              <a:defRPr>
+                <a:solidFill>
+                  <a:schemeClr val="tx2"/>
+                </a:solidFill>
+              </a:defRPr>
+            </a:lvl3pPr>
+            <a:lvl4pPr eaLnBrk="1" hangingPunct="1">
+              <a:defRPr>
+                <a:solidFill>
+                  <a:schemeClr val="tx2"/>
+                </a:solidFill>
+              </a:defRPr>
+            </a:lvl4pPr>
+            <a:lvl5pPr eaLnBrk="1" hangingPunct="1">
+              <a:defRPr>
+                <a:solidFill>
+                  <a:schemeClr val="tx2"/>
+                </a:solidFill>
+              </a:defRPr>
+            </a:lvl5pPr>
+            <a:lvl6pPr eaLnBrk="1" hangingPunct="1">
+              <a:defRPr>
+                <a:solidFill>
+                  <a:schemeClr val="tx2"/>
+                </a:solidFill>
+              </a:defRPr>
+            </a:lvl6pPr>
+            <a:lvl7pPr eaLnBrk="1" hangingPunct="1">
+              <a:defRPr>
+                <a:solidFill>
+                  <a:schemeClr val="tx2"/>
+                </a:solidFill>
+              </a:defRPr>
+            </a:lvl7pPr>
+            <a:lvl8pPr eaLnBrk="1" hangingPunct="1">
+              <a:defRPr>
+                <a:solidFill>
+                  <a:schemeClr val="tx2"/>
+                </a:solidFill>
+              </a:defRPr>
+            </a:lvl8pPr>
+            <a:lvl9pPr eaLnBrk="1" hangingPunct="1">
+              <a:defRPr>
+                <a:solidFill>
+                  <a:schemeClr val="tx2"/>
+                </a:solidFill>
+              </a:defRPr>
+            </a:lvl9pPr>
+          </a:lstStyle>
+          <a:p>
+            <a:pPr algn="ctr"/>
+            <a:r>
+              <a:rPr lang="zh-TW" altLang="en-US" sz="5400" b="1" dirty="0">
+                <a:effectLst/>
+                <a:latin typeface="標楷體" panose="03000509000000000000" pitchFamily="65" charset="-120"/>
+                <a:ea typeface="標楷體" panose="03000509000000000000" pitchFamily="65" charset="-120"/>
+              </a:rPr>
+              <a:t>實際演示</a:t>
+            </a:r>
+            <a:endParaRPr lang="en-US" altLang="zh-TW" sz="5400" b="1" dirty="0">
+              <a:effectLst/>
+              <a:latin typeface="標楷體" panose="03000509000000000000" pitchFamily="65" charset="-120"/>
+              <a:ea typeface="標楷體" panose="03000509000000000000" pitchFamily="65" charset="-120"/>
+            </a:endParaRPr>
+          </a:p>
+          <a:p>
+            <a:pPr algn="ctr"/>
+            <a:endParaRPr lang="zh-TW" altLang="en-US" sz="5400" dirty="0">
+              <a:latin typeface="標楷體" panose="03000509000000000000" pitchFamily="65" charset="-120"/>
+              <a:ea typeface="標楷體" panose="03000509000000000000" pitchFamily="65" charset="-120"/>
+            </a:endParaRPr>
+          </a:p>
+        </p:txBody>
+      </p:sp>
+    </p:spTree>
+    <p:extLst>
+      <p:ext uri="{BB962C8B-B14F-4D97-AF65-F5344CB8AC3E}">
+        <p14:creationId xmlns:p14="http://schemas.microsoft.com/office/powerpoint/2010/main" val="4210482645"/>
+      </p:ext>
+    </p:extLst>
+  </p:cSld>
+  <p:clrMapOvr>
+    <a:masterClrMapping/>
+  </p:clrMapOvr>
+</p:sld>
+</file>
+
+<file path=ppt/slides/slide15.xml><?xml version="1.0" encoding="utf-8"?>
+<p:sld xmlns:a="http://schemas.openxmlformats.org/drawingml/2006/main" xmlns:r="http://schemas.openxmlformats.org/officeDocument/2006/relationships" xmlns:p="http://schemas.openxmlformats.org/presentationml/2006/main">
+  <p:cSld>
+    <p:spTree>
+      <p:nvGrpSpPr>
+        <p:cNvPr id="1" name=""/>
+        <p:cNvGrpSpPr/>
+        <p:nvPr/>
+      </p:nvGrpSpPr>
+      <p:grpSpPr>
+        <a:xfrm>
+          <a:off x="0" y="0"/>
+          <a:ext cx="0" cy="0"/>
+          <a:chOff x="0" y="0"/>
+          <a:chExt cx="0" cy="0"/>
+        </a:xfrm>
+      </p:grpSpPr>
+      <p:sp>
+        <p:nvSpPr>
           <p:cNvPr id="4" name="副標題 2">
             <a:extLst>
               <a:ext uri="{FF2B5EF4-FFF2-40B4-BE49-F238E27FC236}">
@@ -10354,8 +10578,8 @@
         </p:nvSpPr>
         <p:spPr>
           <a:xfrm>
-            <a:off x="958472" y="2454007"/>
-            <a:ext cx="11608105" cy="1905000"/>
+            <a:off x="958472" y="1936214"/>
+            <a:ext cx="12526174" cy="2845106"/>
           </a:xfrm>
           <a:prstGeom prst="rect">
             <a:avLst/>
@@ -10795,14 +11019,30 @@
               <a:buNone/>
             </a:pPr>
             <a:r>
-              <a:rPr lang="zh-TW" altLang="en-US" sz="3600" dirty="0">
+              <a:rPr lang="zh-TW" altLang="en-US" sz="4800" dirty="0">
                 <a:latin typeface="標楷體" panose="03000509000000000000" pitchFamily="65" charset="-120"/>
                 <a:ea typeface="標楷體" panose="03000509000000000000" pitchFamily="65" charset="-120"/>
               </a:rPr>
-              <a:t>現在可在網頁呈現，未來希望將資料轉到</a:t>
-            </a:r>
-            <a:r>
-              <a:rPr lang="en-US" altLang="zh-TW" sz="3600" dirty="0">
+              <a:t>現在可在網頁呈現，</a:t>
+            </a:r>
+            <a:endParaRPr lang="en-US" altLang="zh-TW" sz="4800" dirty="0">
+              <a:latin typeface="標楷體" panose="03000509000000000000" pitchFamily="65" charset="-120"/>
+              <a:ea typeface="標楷體" panose="03000509000000000000" pitchFamily="65" charset="-120"/>
+            </a:endParaRPr>
+          </a:p>
+          <a:p>
+            <a:pPr marL="0" indent="0">
+              <a:buNone/>
+            </a:pPr>
+            <a:r>
+              <a:rPr lang="zh-TW" altLang="en-US" sz="4800" dirty="0">
+                <a:latin typeface="標楷體" panose="03000509000000000000" pitchFamily="65" charset="-120"/>
+                <a:ea typeface="標楷體" panose="03000509000000000000" pitchFamily="65" charset="-120"/>
+              </a:rPr>
+              <a:t>未來希望將資料轉到</a:t>
+            </a:r>
+            <a:r>
+              <a:rPr lang="en-US" altLang="zh-TW" sz="4800" dirty="0">
                 <a:latin typeface="標楷體" panose="03000509000000000000" pitchFamily="65" charset="-120"/>
                 <a:ea typeface="標楷體" panose="03000509000000000000" pitchFamily="65" charset="-120"/>
               </a:rPr>
@@ -10814,7 +11054,7 @@
               <a:buNone/>
             </a:pPr>
             <a:r>
-              <a:rPr lang="zh-TW" altLang="en-US" sz="3600" dirty="0">
+              <a:rPr lang="zh-TW" altLang="en-US" sz="4800" dirty="0">
                 <a:latin typeface="標楷體" panose="03000509000000000000" pitchFamily="65" charset="-120"/>
                 <a:ea typeface="標楷體" panose="03000509000000000000" pitchFamily="65" charset="-120"/>
               </a:rPr>
@@ -10827,6 +11067,556 @@
     <p:extLst>
       <p:ext uri="{BB962C8B-B14F-4D97-AF65-F5344CB8AC3E}">
         <p14:creationId xmlns:p14="http://schemas.microsoft.com/office/powerpoint/2010/main" val="2226471346"/>
+      </p:ext>
+    </p:extLst>
+  </p:cSld>
+  <p:clrMapOvr>
+    <a:masterClrMapping/>
+  </p:clrMapOvr>
+</p:sld>
+</file>
+
+<file path=ppt/slides/slide2.xml><?xml version="1.0" encoding="utf-8"?>
+<p:sld xmlns:a="http://schemas.openxmlformats.org/drawingml/2006/main" xmlns:r="http://schemas.openxmlformats.org/officeDocument/2006/relationships" xmlns:p="http://schemas.openxmlformats.org/presentationml/2006/main">
+  <p:cSld>
+    <p:spTree>
+      <p:nvGrpSpPr>
+        <p:cNvPr id="1" name=""/>
+        <p:cNvGrpSpPr/>
+        <p:nvPr/>
+      </p:nvGrpSpPr>
+      <p:grpSpPr>
+        <a:xfrm>
+          <a:off x="0" y="0"/>
+          <a:ext cx="0" cy="0"/>
+          <a:chOff x="0" y="0"/>
+          <a:chExt cx="0" cy="0"/>
+        </a:xfrm>
+      </p:grpSpPr>
+      <p:sp>
+        <p:nvSpPr>
+          <p:cNvPr id="2" name="標題 1">
+            <a:extLst>
+              <a:ext uri="{FF2B5EF4-FFF2-40B4-BE49-F238E27FC236}">
+                <a16:creationId xmlns:a16="http://schemas.microsoft.com/office/drawing/2014/main" id="{221F2736-6F20-4BBF-B22D-C525D147F12E}"/>
+              </a:ext>
+            </a:extLst>
+          </p:cNvPr>
+          <p:cNvSpPr>
+            <a:spLocks noGrp="1"/>
+          </p:cNvSpPr>
+          <p:nvPr>
+            <p:ph type="ctrTitle"/>
+          </p:nvPr>
+        </p:nvSpPr>
+        <p:spPr/>
+        <p:txBody>
+          <a:bodyPr/>
+          <a:lstStyle/>
+          <a:p>
+            <a:endParaRPr lang="zh-TW" altLang="en-US"/>
+          </a:p>
+        </p:txBody>
+      </p:sp>
+      <p:sp>
+        <p:nvSpPr>
+          <p:cNvPr id="3" name="副標題 2">
+            <a:extLst>
+              <a:ext uri="{FF2B5EF4-FFF2-40B4-BE49-F238E27FC236}">
+                <a16:creationId xmlns:a16="http://schemas.microsoft.com/office/drawing/2014/main" id="{74EC7B04-CAB6-4026-89FE-FB34569E8D94}"/>
+              </a:ext>
+            </a:extLst>
+          </p:cNvPr>
+          <p:cNvSpPr>
+            <a:spLocks noGrp="1"/>
+          </p:cNvSpPr>
+          <p:nvPr>
+            <p:ph type="subTitle" idx="1"/>
+          </p:nvPr>
+        </p:nvSpPr>
+        <p:spPr/>
+        <p:txBody>
+          <a:bodyPr/>
+          <a:lstStyle/>
+          <a:p>
+            <a:endParaRPr lang="zh-TW" altLang="en-US"/>
+          </a:p>
+        </p:txBody>
+      </p:sp>
+      <p:pic>
+        <p:nvPicPr>
+          <p:cNvPr id="5" name="圖片 4">
+            <a:extLst>
+              <a:ext uri="{FF2B5EF4-FFF2-40B4-BE49-F238E27FC236}">
+                <a16:creationId xmlns:a16="http://schemas.microsoft.com/office/drawing/2014/main" id="{ABCB5079-D9A8-4E43-A417-FF71BF33EBF3}"/>
+              </a:ext>
+            </a:extLst>
+          </p:cNvPr>
+          <p:cNvPicPr>
+            <a:picLocks noChangeAspect="1"/>
+          </p:cNvPicPr>
+          <p:nvPr/>
+        </p:nvPicPr>
+        <p:blipFill>
+          <a:blip r:embed="rId2"/>
+          <a:stretch>
+            <a:fillRect/>
+          </a:stretch>
+        </p:blipFill>
+        <p:spPr>
+          <a:xfrm>
+            <a:off x="0" y="0"/>
+            <a:ext cx="12192000" cy="6858000"/>
+          </a:xfrm>
+          <a:prstGeom prst="rect">
+            <a:avLst/>
+          </a:prstGeom>
+        </p:spPr>
+      </p:pic>
+    </p:spTree>
+    <p:extLst>
+      <p:ext uri="{BB962C8B-B14F-4D97-AF65-F5344CB8AC3E}">
+        <p14:creationId xmlns:p14="http://schemas.microsoft.com/office/powerpoint/2010/main" val="3521751112"/>
+      </p:ext>
+    </p:extLst>
+  </p:cSld>
+  <p:clrMapOvr>
+    <a:masterClrMapping/>
+  </p:clrMapOvr>
+</p:sld>
+</file>
+
+<file path=ppt/slides/slide3.xml><?xml version="1.0" encoding="utf-8"?>
+<p:sld xmlns:a="http://schemas.openxmlformats.org/drawingml/2006/main" xmlns:r="http://schemas.openxmlformats.org/officeDocument/2006/relationships" xmlns:p="http://schemas.openxmlformats.org/presentationml/2006/main">
+  <p:cSld>
+    <p:spTree>
+      <p:nvGrpSpPr>
+        <p:cNvPr id="1" name=""/>
+        <p:cNvGrpSpPr/>
+        <p:nvPr/>
+      </p:nvGrpSpPr>
+      <p:grpSpPr>
+        <a:xfrm>
+          <a:off x="0" y="0"/>
+          <a:ext cx="0" cy="0"/>
+          <a:chOff x="0" y="0"/>
+          <a:chExt cx="0" cy="0"/>
+        </a:xfrm>
+      </p:grpSpPr>
+      <p:sp>
+        <p:nvSpPr>
+          <p:cNvPr id="2" name="標題 1">
+            <a:extLst>
+              <a:ext uri="{FF2B5EF4-FFF2-40B4-BE49-F238E27FC236}">
+                <a16:creationId xmlns:a16="http://schemas.microsoft.com/office/drawing/2014/main" id="{221F2736-6F20-4BBF-B22D-C525D147F12E}"/>
+              </a:ext>
+            </a:extLst>
+          </p:cNvPr>
+          <p:cNvSpPr>
+            <a:spLocks noGrp="1"/>
+          </p:cNvSpPr>
+          <p:nvPr>
+            <p:ph type="ctrTitle"/>
+          </p:nvPr>
+        </p:nvSpPr>
+        <p:spPr/>
+        <p:txBody>
+          <a:bodyPr/>
+          <a:lstStyle/>
+          <a:p>
+            <a:endParaRPr lang="zh-TW" altLang="en-US"/>
+          </a:p>
+        </p:txBody>
+      </p:sp>
+      <p:sp>
+        <p:nvSpPr>
+          <p:cNvPr id="3" name="副標題 2">
+            <a:extLst>
+              <a:ext uri="{FF2B5EF4-FFF2-40B4-BE49-F238E27FC236}">
+                <a16:creationId xmlns:a16="http://schemas.microsoft.com/office/drawing/2014/main" id="{74EC7B04-CAB6-4026-89FE-FB34569E8D94}"/>
+              </a:ext>
+            </a:extLst>
+          </p:cNvPr>
+          <p:cNvSpPr>
+            <a:spLocks noGrp="1"/>
+          </p:cNvSpPr>
+          <p:nvPr>
+            <p:ph type="subTitle" idx="1"/>
+          </p:nvPr>
+        </p:nvSpPr>
+        <p:spPr/>
+        <p:txBody>
+          <a:bodyPr/>
+          <a:lstStyle/>
+          <a:p>
+            <a:endParaRPr lang="zh-TW" altLang="en-US"/>
+          </a:p>
+        </p:txBody>
+      </p:sp>
+      <p:pic>
+        <p:nvPicPr>
+          <p:cNvPr id="5" name="圖片 4">
+            <a:extLst>
+              <a:ext uri="{FF2B5EF4-FFF2-40B4-BE49-F238E27FC236}">
+                <a16:creationId xmlns:a16="http://schemas.microsoft.com/office/drawing/2014/main" id="{7E0FD7EF-5A1C-4600-8982-7ABA78C03D7A}"/>
+              </a:ext>
+            </a:extLst>
+          </p:cNvPr>
+          <p:cNvPicPr>
+            <a:picLocks noChangeAspect="1"/>
+          </p:cNvPicPr>
+          <p:nvPr/>
+        </p:nvPicPr>
+        <p:blipFill>
+          <a:blip r:embed="rId2"/>
+          <a:stretch>
+            <a:fillRect/>
+          </a:stretch>
+        </p:blipFill>
+        <p:spPr>
+          <a:xfrm>
+            <a:off x="0" y="24788"/>
+            <a:ext cx="12192000" cy="6858000"/>
+          </a:xfrm>
+          <a:prstGeom prst="rect">
+            <a:avLst/>
+          </a:prstGeom>
+        </p:spPr>
+      </p:pic>
+    </p:spTree>
+    <p:extLst>
+      <p:ext uri="{BB962C8B-B14F-4D97-AF65-F5344CB8AC3E}">
+        <p14:creationId xmlns:p14="http://schemas.microsoft.com/office/powerpoint/2010/main" val="1289783190"/>
+      </p:ext>
+    </p:extLst>
+  </p:cSld>
+  <p:clrMapOvr>
+    <a:masterClrMapping/>
+  </p:clrMapOvr>
+</p:sld>
+</file>
+
+<file path=ppt/slides/slide4.xml><?xml version="1.0" encoding="utf-8"?>
+<p:sld xmlns:a="http://schemas.openxmlformats.org/drawingml/2006/main" xmlns:r="http://schemas.openxmlformats.org/officeDocument/2006/relationships" xmlns:p="http://schemas.openxmlformats.org/presentationml/2006/main">
+  <p:cSld>
+    <p:spTree>
+      <p:nvGrpSpPr>
+        <p:cNvPr id="1" name=""/>
+        <p:cNvGrpSpPr/>
+        <p:nvPr/>
+      </p:nvGrpSpPr>
+      <p:grpSpPr>
+        <a:xfrm>
+          <a:off x="0" y="0"/>
+          <a:ext cx="0" cy="0"/>
+          <a:chOff x="0" y="0"/>
+          <a:chExt cx="0" cy="0"/>
+        </a:xfrm>
+      </p:grpSpPr>
+      <p:sp>
+        <p:nvSpPr>
+          <p:cNvPr id="2" name="標題 1">
+            <a:extLst>
+              <a:ext uri="{FF2B5EF4-FFF2-40B4-BE49-F238E27FC236}">
+                <a16:creationId xmlns:a16="http://schemas.microsoft.com/office/drawing/2014/main" id="{221F2736-6F20-4BBF-B22D-C525D147F12E}"/>
+              </a:ext>
+            </a:extLst>
+          </p:cNvPr>
+          <p:cNvSpPr>
+            <a:spLocks noGrp="1"/>
+          </p:cNvSpPr>
+          <p:nvPr>
+            <p:ph type="ctrTitle"/>
+          </p:nvPr>
+        </p:nvSpPr>
+        <p:spPr/>
+        <p:txBody>
+          <a:bodyPr/>
+          <a:lstStyle/>
+          <a:p>
+            <a:endParaRPr lang="zh-TW" altLang="en-US"/>
+          </a:p>
+        </p:txBody>
+      </p:sp>
+      <p:sp>
+        <p:nvSpPr>
+          <p:cNvPr id="3" name="副標題 2">
+            <a:extLst>
+              <a:ext uri="{FF2B5EF4-FFF2-40B4-BE49-F238E27FC236}">
+                <a16:creationId xmlns:a16="http://schemas.microsoft.com/office/drawing/2014/main" id="{74EC7B04-CAB6-4026-89FE-FB34569E8D94}"/>
+              </a:ext>
+            </a:extLst>
+          </p:cNvPr>
+          <p:cNvSpPr>
+            <a:spLocks noGrp="1"/>
+          </p:cNvSpPr>
+          <p:nvPr>
+            <p:ph type="subTitle" idx="1"/>
+          </p:nvPr>
+        </p:nvSpPr>
+        <p:spPr/>
+        <p:txBody>
+          <a:bodyPr/>
+          <a:lstStyle/>
+          <a:p>
+            <a:endParaRPr lang="zh-TW" altLang="en-US"/>
+          </a:p>
+        </p:txBody>
+      </p:sp>
+      <p:pic>
+        <p:nvPicPr>
+          <p:cNvPr id="5" name="圖片 4">
+            <a:extLst>
+              <a:ext uri="{FF2B5EF4-FFF2-40B4-BE49-F238E27FC236}">
+                <a16:creationId xmlns:a16="http://schemas.microsoft.com/office/drawing/2014/main" id="{54BF5879-07E9-4E47-BC4E-059183572A77}"/>
+              </a:ext>
+            </a:extLst>
+          </p:cNvPr>
+          <p:cNvPicPr>
+            <a:picLocks noChangeAspect="1"/>
+          </p:cNvPicPr>
+          <p:nvPr/>
+        </p:nvPicPr>
+        <p:blipFill>
+          <a:blip r:embed="rId2"/>
+          <a:stretch>
+            <a:fillRect/>
+          </a:stretch>
+        </p:blipFill>
+        <p:spPr>
+          <a:xfrm>
+            <a:off x="0" y="0"/>
+            <a:ext cx="12192000" cy="6858000"/>
+          </a:xfrm>
+          <a:prstGeom prst="rect">
+            <a:avLst/>
+          </a:prstGeom>
+        </p:spPr>
+      </p:pic>
+    </p:spTree>
+    <p:extLst>
+      <p:ext uri="{BB962C8B-B14F-4D97-AF65-F5344CB8AC3E}">
+        <p14:creationId xmlns:p14="http://schemas.microsoft.com/office/powerpoint/2010/main" val="1876918082"/>
+      </p:ext>
+    </p:extLst>
+  </p:cSld>
+  <p:clrMapOvr>
+    <a:masterClrMapping/>
+  </p:clrMapOvr>
+</p:sld>
+</file>
+
+<file path=ppt/slides/slide5.xml><?xml version="1.0" encoding="utf-8"?>
+<p:sld xmlns:a="http://schemas.openxmlformats.org/drawingml/2006/main" xmlns:r="http://schemas.openxmlformats.org/officeDocument/2006/relationships" xmlns:p="http://schemas.openxmlformats.org/presentationml/2006/main">
+  <p:cSld>
+    <p:spTree>
+      <p:nvGrpSpPr>
+        <p:cNvPr id="1" name=""/>
+        <p:cNvGrpSpPr/>
+        <p:nvPr/>
+      </p:nvGrpSpPr>
+      <p:grpSpPr>
+        <a:xfrm>
+          <a:off x="0" y="0"/>
+          <a:ext cx="0" cy="0"/>
+          <a:chOff x="0" y="0"/>
+          <a:chExt cx="0" cy="0"/>
+        </a:xfrm>
+      </p:grpSpPr>
+      <p:sp>
+        <p:nvSpPr>
+          <p:cNvPr id="2" name="標題 1">
+            <a:extLst>
+              <a:ext uri="{FF2B5EF4-FFF2-40B4-BE49-F238E27FC236}">
+                <a16:creationId xmlns:a16="http://schemas.microsoft.com/office/drawing/2014/main" id="{221F2736-6F20-4BBF-B22D-C525D147F12E}"/>
+              </a:ext>
+            </a:extLst>
+          </p:cNvPr>
+          <p:cNvSpPr>
+            <a:spLocks noGrp="1"/>
+          </p:cNvSpPr>
+          <p:nvPr>
+            <p:ph type="ctrTitle"/>
+          </p:nvPr>
+        </p:nvSpPr>
+        <p:spPr/>
+        <p:txBody>
+          <a:bodyPr/>
+          <a:lstStyle/>
+          <a:p>
+            <a:endParaRPr lang="zh-TW" altLang="en-US"/>
+          </a:p>
+        </p:txBody>
+      </p:sp>
+      <p:sp>
+        <p:nvSpPr>
+          <p:cNvPr id="3" name="副標題 2">
+            <a:extLst>
+              <a:ext uri="{FF2B5EF4-FFF2-40B4-BE49-F238E27FC236}">
+                <a16:creationId xmlns:a16="http://schemas.microsoft.com/office/drawing/2014/main" id="{74EC7B04-CAB6-4026-89FE-FB34569E8D94}"/>
+              </a:ext>
+            </a:extLst>
+          </p:cNvPr>
+          <p:cNvSpPr>
+            <a:spLocks noGrp="1"/>
+          </p:cNvSpPr>
+          <p:nvPr>
+            <p:ph type="subTitle" idx="1"/>
+          </p:nvPr>
+        </p:nvSpPr>
+        <p:spPr/>
+        <p:txBody>
+          <a:bodyPr/>
+          <a:lstStyle/>
+          <a:p>
+            <a:endParaRPr lang="zh-TW" altLang="en-US"/>
+          </a:p>
+        </p:txBody>
+      </p:sp>
+      <p:pic>
+        <p:nvPicPr>
+          <p:cNvPr id="5" name="圖片 4">
+            <a:extLst>
+              <a:ext uri="{FF2B5EF4-FFF2-40B4-BE49-F238E27FC236}">
+                <a16:creationId xmlns:a16="http://schemas.microsoft.com/office/drawing/2014/main" id="{E048321D-239C-4C6E-B20E-724E5B48BA38}"/>
+              </a:ext>
+            </a:extLst>
+          </p:cNvPr>
+          <p:cNvPicPr>
+            <a:picLocks noChangeAspect="1"/>
+          </p:cNvPicPr>
+          <p:nvPr/>
+        </p:nvPicPr>
+        <p:blipFill>
+          <a:blip r:embed="rId2"/>
+          <a:stretch>
+            <a:fillRect/>
+          </a:stretch>
+        </p:blipFill>
+        <p:spPr>
+          <a:xfrm>
+            <a:off x="0" y="0"/>
+            <a:ext cx="12192000" cy="6858000"/>
+          </a:xfrm>
+          <a:prstGeom prst="rect">
+            <a:avLst/>
+          </a:prstGeom>
+        </p:spPr>
+      </p:pic>
+    </p:spTree>
+    <p:extLst>
+      <p:ext uri="{BB962C8B-B14F-4D97-AF65-F5344CB8AC3E}">
+        <p14:creationId xmlns:p14="http://schemas.microsoft.com/office/powerpoint/2010/main" val="3662001128"/>
+      </p:ext>
+    </p:extLst>
+  </p:cSld>
+  <p:clrMapOvr>
+    <a:masterClrMapping/>
+  </p:clrMapOvr>
+</p:sld>
+</file>
+
+<file path=ppt/slides/slide6.xml><?xml version="1.0" encoding="utf-8"?>
+<p:sld xmlns:a="http://schemas.openxmlformats.org/drawingml/2006/main" xmlns:r="http://schemas.openxmlformats.org/officeDocument/2006/relationships" xmlns:p="http://schemas.openxmlformats.org/presentationml/2006/main">
+  <p:cSld>
+    <p:spTree>
+      <p:nvGrpSpPr>
+        <p:cNvPr id="1" name=""/>
+        <p:cNvGrpSpPr/>
+        <p:nvPr/>
+      </p:nvGrpSpPr>
+      <p:grpSpPr>
+        <a:xfrm>
+          <a:off x="0" y="0"/>
+          <a:ext cx="0" cy="0"/>
+          <a:chOff x="0" y="0"/>
+          <a:chExt cx="0" cy="0"/>
+        </a:xfrm>
+      </p:grpSpPr>
+      <p:sp>
+        <p:nvSpPr>
+          <p:cNvPr id="2" name="標題 1">
+            <a:extLst>
+              <a:ext uri="{FF2B5EF4-FFF2-40B4-BE49-F238E27FC236}">
+                <a16:creationId xmlns:a16="http://schemas.microsoft.com/office/drawing/2014/main" id="{221F2736-6F20-4BBF-B22D-C525D147F12E}"/>
+              </a:ext>
+            </a:extLst>
+          </p:cNvPr>
+          <p:cNvSpPr>
+            <a:spLocks noGrp="1"/>
+          </p:cNvSpPr>
+          <p:nvPr>
+            <p:ph type="ctrTitle"/>
+          </p:nvPr>
+        </p:nvSpPr>
+        <p:spPr/>
+        <p:txBody>
+          <a:bodyPr/>
+          <a:lstStyle/>
+          <a:p>
+            <a:endParaRPr lang="zh-TW" altLang="en-US"/>
+          </a:p>
+        </p:txBody>
+      </p:sp>
+      <p:sp>
+        <p:nvSpPr>
+          <p:cNvPr id="3" name="副標題 2">
+            <a:extLst>
+              <a:ext uri="{FF2B5EF4-FFF2-40B4-BE49-F238E27FC236}">
+                <a16:creationId xmlns:a16="http://schemas.microsoft.com/office/drawing/2014/main" id="{74EC7B04-CAB6-4026-89FE-FB34569E8D94}"/>
+              </a:ext>
+            </a:extLst>
+          </p:cNvPr>
+          <p:cNvSpPr>
+            <a:spLocks noGrp="1"/>
+          </p:cNvSpPr>
+          <p:nvPr>
+            <p:ph type="subTitle" idx="1"/>
+          </p:nvPr>
+        </p:nvSpPr>
+        <p:spPr/>
+        <p:txBody>
+          <a:bodyPr/>
+          <a:lstStyle/>
+          <a:p>
+            <a:endParaRPr lang="zh-TW" altLang="en-US"/>
+          </a:p>
+        </p:txBody>
+      </p:sp>
+      <p:pic>
+        <p:nvPicPr>
+          <p:cNvPr id="5" name="圖片 4">
+            <a:extLst>
+              <a:ext uri="{FF2B5EF4-FFF2-40B4-BE49-F238E27FC236}">
+                <a16:creationId xmlns:a16="http://schemas.microsoft.com/office/drawing/2014/main" id="{79E15A5B-15D3-4465-9D63-5435293224AC}"/>
+              </a:ext>
+            </a:extLst>
+          </p:cNvPr>
+          <p:cNvPicPr>
+            <a:picLocks noChangeAspect="1"/>
+          </p:cNvPicPr>
+          <p:nvPr/>
+        </p:nvPicPr>
+        <p:blipFill>
+          <a:blip r:embed="rId2"/>
+          <a:stretch>
+            <a:fillRect/>
+          </a:stretch>
+        </p:blipFill>
+        <p:spPr>
+          <a:xfrm>
+            <a:off x="0" y="0"/>
+            <a:ext cx="12192000" cy="6858000"/>
+          </a:xfrm>
+          <a:prstGeom prst="rect">
+            <a:avLst/>
+          </a:prstGeom>
+        </p:spPr>
+      </p:pic>
+    </p:spTree>
+    <p:extLst>
+      <p:ext uri="{BB962C8B-B14F-4D97-AF65-F5344CB8AC3E}">
+        <p14:creationId xmlns:p14="http://schemas.microsoft.com/office/powerpoint/2010/main" val="2242000810"/>
       </p:ext>
     </p:extLst>
   </p:cSld>
@@ -10858,7 +11648,7 @@
           <p:cNvPr id="2" name="標題 1">
             <a:extLst>
               <a:ext uri="{FF2B5EF4-FFF2-40B4-BE49-F238E27FC236}">
-                <a16:creationId xmlns:a16="http://schemas.microsoft.com/office/drawing/2014/main" id="{089BE0F0-024C-417C-A7F8-FD9132706C05}"/>
+                <a16:creationId xmlns:a16="http://schemas.microsoft.com/office/drawing/2014/main" id="{221F2736-6F20-4BBF-B22D-C525D147F12E}"/>
               </a:ext>
             </a:extLst>
           </p:cNvPr>
@@ -10866,7 +11656,7 @@
             <a:spLocks noGrp="1"/>
           </p:cNvSpPr>
           <p:nvPr>
-            <p:ph type="title"/>
+            <p:ph type="ctrTitle"/>
           </p:nvPr>
         </p:nvSpPr>
         <p:spPr/>
@@ -10880,10 +11670,10 @@
       </p:sp>
       <p:sp>
         <p:nvSpPr>
-          <p:cNvPr id="3" name="內容版面配置區 2">
+          <p:cNvPr id="3" name="副標題 2">
             <a:extLst>
               <a:ext uri="{FF2B5EF4-FFF2-40B4-BE49-F238E27FC236}">
-                <a16:creationId xmlns:a16="http://schemas.microsoft.com/office/drawing/2014/main" id="{EB5CE42B-7D29-4C7C-A409-1F17B22D39D8}"/>
+                <a16:creationId xmlns:a16="http://schemas.microsoft.com/office/drawing/2014/main" id="{74EC7B04-CAB6-4026-89FE-FB34569E8D94}"/>
               </a:ext>
             </a:extLst>
           </p:cNvPr>
@@ -10891,7 +11681,7 @@
             <a:spLocks noGrp="1"/>
           </p:cNvSpPr>
           <p:nvPr>
-            <p:ph idx="1"/>
+            <p:ph type="subTitle" idx="1"/>
           </p:nvPr>
         </p:nvSpPr>
         <p:spPr/>
@@ -10903,10 +11693,277 @@
           </a:p>
         </p:txBody>
       </p:sp>
+      <p:pic>
+        <p:nvPicPr>
+          <p:cNvPr id="6" name="圖片 5">
+            <a:extLst>
+              <a:ext uri="{FF2B5EF4-FFF2-40B4-BE49-F238E27FC236}">
+                <a16:creationId xmlns:a16="http://schemas.microsoft.com/office/drawing/2014/main" id="{CA51EA47-C93F-4253-8EE5-0F71B9A7633A}"/>
+              </a:ext>
+            </a:extLst>
+          </p:cNvPr>
+          <p:cNvPicPr>
+            <a:picLocks noChangeAspect="1"/>
+          </p:cNvPicPr>
+          <p:nvPr/>
+        </p:nvPicPr>
+        <p:blipFill>
+          <a:blip r:embed="rId2"/>
+          <a:stretch>
+            <a:fillRect/>
+          </a:stretch>
+        </p:blipFill>
+        <p:spPr>
+          <a:xfrm>
+            <a:off x="0" y="0"/>
+            <a:ext cx="12192000" cy="6858000"/>
+          </a:xfrm>
+          <a:prstGeom prst="rect">
+            <a:avLst/>
+          </a:prstGeom>
+        </p:spPr>
+      </p:pic>
     </p:spTree>
     <p:extLst>
       <p:ext uri="{BB962C8B-B14F-4D97-AF65-F5344CB8AC3E}">
-        <p14:creationId xmlns:p14="http://schemas.microsoft.com/office/powerpoint/2010/main" val="4210482645"/>
+        <p14:creationId xmlns:p14="http://schemas.microsoft.com/office/powerpoint/2010/main" val="523917035"/>
+      </p:ext>
+    </p:extLst>
+  </p:cSld>
+  <p:clrMapOvr>
+    <a:masterClrMapping/>
+  </p:clrMapOvr>
+</p:sld>
+</file>
+
+<file path=ppt/slides/slide8.xml><?xml version="1.0" encoding="utf-8"?>
+<p:sld xmlns:a="http://schemas.openxmlformats.org/drawingml/2006/main" xmlns:r="http://schemas.openxmlformats.org/officeDocument/2006/relationships" xmlns:p="http://schemas.openxmlformats.org/presentationml/2006/main">
+  <p:cSld>
+    <p:spTree>
+      <p:nvGrpSpPr>
+        <p:cNvPr id="1" name=""/>
+        <p:cNvGrpSpPr/>
+        <p:nvPr/>
+      </p:nvGrpSpPr>
+      <p:grpSpPr>
+        <a:xfrm>
+          <a:off x="0" y="0"/>
+          <a:ext cx="0" cy="0"/>
+          <a:chOff x="0" y="0"/>
+          <a:chExt cx="0" cy="0"/>
+        </a:xfrm>
+      </p:grpSpPr>
+      <p:sp>
+        <p:nvSpPr>
+          <p:cNvPr id="2" name="標題 1">
+            <a:extLst>
+              <a:ext uri="{FF2B5EF4-FFF2-40B4-BE49-F238E27FC236}">
+                <a16:creationId xmlns:a16="http://schemas.microsoft.com/office/drawing/2014/main" id="{221F2736-6F20-4BBF-B22D-C525D147F12E}"/>
+              </a:ext>
+            </a:extLst>
+          </p:cNvPr>
+          <p:cNvSpPr>
+            <a:spLocks noGrp="1"/>
+          </p:cNvSpPr>
+          <p:nvPr>
+            <p:ph type="ctrTitle"/>
+          </p:nvPr>
+        </p:nvSpPr>
+        <p:spPr/>
+        <p:txBody>
+          <a:bodyPr/>
+          <a:lstStyle/>
+          <a:p>
+            <a:endParaRPr lang="zh-TW" altLang="en-US"/>
+          </a:p>
+        </p:txBody>
+      </p:sp>
+      <p:sp>
+        <p:nvSpPr>
+          <p:cNvPr id="3" name="副標題 2">
+            <a:extLst>
+              <a:ext uri="{FF2B5EF4-FFF2-40B4-BE49-F238E27FC236}">
+                <a16:creationId xmlns:a16="http://schemas.microsoft.com/office/drawing/2014/main" id="{74EC7B04-CAB6-4026-89FE-FB34569E8D94}"/>
+              </a:ext>
+            </a:extLst>
+          </p:cNvPr>
+          <p:cNvSpPr>
+            <a:spLocks noGrp="1"/>
+          </p:cNvSpPr>
+          <p:nvPr>
+            <p:ph type="subTitle" idx="1"/>
+          </p:nvPr>
+        </p:nvSpPr>
+        <p:spPr/>
+        <p:txBody>
+          <a:bodyPr/>
+          <a:lstStyle/>
+          <a:p>
+            <a:endParaRPr lang="zh-TW" altLang="en-US"/>
+          </a:p>
+        </p:txBody>
+      </p:sp>
+      <p:pic>
+        <p:nvPicPr>
+          <p:cNvPr id="6" name="圖片 5">
+            <a:extLst>
+              <a:ext uri="{FF2B5EF4-FFF2-40B4-BE49-F238E27FC236}">
+                <a16:creationId xmlns:a16="http://schemas.microsoft.com/office/drawing/2014/main" id="{5E753F30-081A-4678-9A14-D0D72D255F54}"/>
+              </a:ext>
+            </a:extLst>
+          </p:cNvPr>
+          <p:cNvPicPr>
+            <a:picLocks noChangeAspect="1"/>
+          </p:cNvPicPr>
+          <p:nvPr/>
+        </p:nvPicPr>
+        <p:blipFill>
+          <a:blip r:embed="rId2"/>
+          <a:stretch>
+            <a:fillRect/>
+          </a:stretch>
+        </p:blipFill>
+        <p:spPr>
+          <a:xfrm>
+            <a:off x="0" y="0"/>
+            <a:ext cx="12192000" cy="6858000"/>
+          </a:xfrm>
+          <a:prstGeom prst="rect">
+            <a:avLst/>
+          </a:prstGeom>
+        </p:spPr>
+      </p:pic>
+    </p:spTree>
+    <p:extLst>
+      <p:ext uri="{BB962C8B-B14F-4D97-AF65-F5344CB8AC3E}">
+        <p14:creationId xmlns:p14="http://schemas.microsoft.com/office/powerpoint/2010/main" val="1738255003"/>
+      </p:ext>
+    </p:extLst>
+  </p:cSld>
+  <p:clrMapOvr>
+    <a:masterClrMapping/>
+  </p:clrMapOvr>
+</p:sld>
+</file>
+
+<file path=ppt/slides/slide9.xml><?xml version="1.0" encoding="utf-8"?>
+<p:sld xmlns:a="http://schemas.openxmlformats.org/drawingml/2006/main" xmlns:r="http://schemas.openxmlformats.org/officeDocument/2006/relationships" xmlns:p="http://schemas.openxmlformats.org/presentationml/2006/main">
+  <p:cSld>
+    <p:spTree>
+      <p:nvGrpSpPr>
+        <p:cNvPr id="1" name=""/>
+        <p:cNvGrpSpPr/>
+        <p:nvPr/>
+      </p:nvGrpSpPr>
+      <p:grpSpPr>
+        <a:xfrm>
+          <a:off x="0" y="0"/>
+          <a:ext cx="0" cy="0"/>
+          <a:chOff x="0" y="0"/>
+          <a:chExt cx="0" cy="0"/>
+        </a:xfrm>
+      </p:grpSpPr>
+      <p:sp>
+        <p:nvSpPr>
+          <p:cNvPr id="2" name="標題 1">
+            <a:extLst>
+              <a:ext uri="{FF2B5EF4-FFF2-40B4-BE49-F238E27FC236}">
+                <a16:creationId xmlns:a16="http://schemas.microsoft.com/office/drawing/2014/main" id="{56FC53F2-5DAF-41EA-8E3B-6FA816BA7BB9}"/>
+              </a:ext>
+            </a:extLst>
+          </p:cNvPr>
+          <p:cNvSpPr>
+            <a:spLocks noGrp="1"/>
+          </p:cNvSpPr>
+          <p:nvPr>
+            <p:ph type="ctrTitle"/>
+          </p:nvPr>
+        </p:nvSpPr>
+        <p:spPr>
+          <a:xfrm>
+            <a:off x="1751012" y="266701"/>
+            <a:ext cx="8676222" cy="3200400"/>
+          </a:xfrm>
+        </p:spPr>
+        <p:txBody>
+          <a:bodyPr>
+            <a:normAutofit/>
+          </a:bodyPr>
+          <a:lstStyle/>
+          <a:p>
+            <a:r>
+              <a:rPr lang="zh-TW" altLang="zh-TW" sz="5400" b="1" dirty="0">
+                <a:effectLst/>
+                <a:latin typeface="標楷體" panose="03000509000000000000" pitchFamily="65" charset="-120"/>
+                <a:ea typeface="標楷體" panose="03000509000000000000" pitchFamily="65" charset="-120"/>
+              </a:rPr>
+              <a:t>波形資料與</a:t>
+            </a:r>
+            <a:r>
+              <a:rPr lang="en-US" altLang="zh-TW" sz="5400" b="1" dirty="0">
+                <a:effectLst/>
+                <a:latin typeface="標楷體" panose="03000509000000000000" pitchFamily="65" charset="-120"/>
+                <a:ea typeface="標楷體" panose="03000509000000000000" pitchFamily="65" charset="-120"/>
+              </a:rPr>
+              <a:t> FHIR </a:t>
+            </a:r>
+            <a:r>
+              <a:rPr lang="zh-TW" altLang="zh-TW" sz="5400" b="1" dirty="0">
+                <a:effectLst/>
+                <a:latin typeface="標楷體" panose="03000509000000000000" pitchFamily="65" charset="-120"/>
+                <a:ea typeface="標楷體" panose="03000509000000000000" pitchFamily="65" charset="-120"/>
+              </a:rPr>
+              <a:t>規格轉換</a:t>
+            </a:r>
+            <a:endParaRPr lang="zh-TW" altLang="en-US" sz="5400" dirty="0">
+              <a:latin typeface="標楷體" panose="03000509000000000000" pitchFamily="65" charset="-120"/>
+              <a:ea typeface="標楷體" panose="03000509000000000000" pitchFamily="65" charset="-120"/>
+            </a:endParaRPr>
+          </a:p>
+        </p:txBody>
+      </p:sp>
+      <p:sp>
+        <p:nvSpPr>
+          <p:cNvPr id="3" name="副標題 2">
+            <a:extLst>
+              <a:ext uri="{FF2B5EF4-FFF2-40B4-BE49-F238E27FC236}">
+                <a16:creationId xmlns:a16="http://schemas.microsoft.com/office/drawing/2014/main" id="{978AB918-8D5C-4FC4-99B2-0A24EAEA24DF}"/>
+              </a:ext>
+            </a:extLst>
+          </p:cNvPr>
+          <p:cNvSpPr>
+            <a:spLocks noGrp="1"/>
+          </p:cNvSpPr>
+          <p:nvPr>
+            <p:ph type="subTitle" idx="1"/>
+          </p:nvPr>
+        </p:nvSpPr>
+        <p:spPr>
+          <a:xfrm>
+            <a:off x="1751012" y="3831115"/>
+            <a:ext cx="8676222" cy="1905000"/>
+          </a:xfrm>
+        </p:spPr>
+        <p:txBody>
+          <a:bodyPr>
+            <a:normAutofit/>
+          </a:bodyPr>
+          <a:lstStyle/>
+          <a:p>
+            <a:r>
+              <a:rPr lang="zh-TW" altLang="en-US" sz="3600" dirty="0">
+                <a:latin typeface="標楷體" panose="03000509000000000000" pitchFamily="65" charset="-120"/>
+                <a:ea typeface="標楷體" panose="03000509000000000000" pitchFamily="65" charset="-120"/>
+              </a:rPr>
+              <a:t>慈大附中 劉育綸</a:t>
+            </a:r>
+          </a:p>
+        </p:txBody>
+      </p:sp>
+    </p:spTree>
+    <p:extLst>
+      <p:ext uri="{BB962C8B-B14F-4D97-AF65-F5344CB8AC3E}">
+        <p14:creationId xmlns:p14="http://schemas.microsoft.com/office/powerpoint/2010/main" val="1347704836"/>
       </p:ext>
     </p:extLst>
   </p:cSld>
